--- a/translations/en-us/RobotGame/MissionStrategy.pptx
+++ b/translations/en-us/RobotGame/MissionStrategy.pptx
@@ -1,6 +1,6 @@
 
 <file path=ppt/presentation.xml><?xml version="1.0" encoding="utf-8"?>
-<p:presentation xmlns:a="http://schemas.openxmlformats.org/drawingml/2006/main" xmlns:r="http://schemas.openxmlformats.org/officeDocument/2006/relationships" xmlns:p="http://schemas.openxmlformats.org/presentationml/2006/main" saveSubsetFonts="1" autoCompressPictures="0">
+<p:presentation xmlns:a="http://schemas.openxmlformats.org/drawingml/2006/main" xmlns:r="http://schemas.openxmlformats.org/officeDocument/2006/relationships" xmlns:p="http://schemas.openxmlformats.org/presentationml/2006/main" showSpecialPlsOnTitleSld="0" saveSubsetFonts="1" autoCompressPictures="0">
   <p:sldMasterIdLst>
     <p:sldMasterId id="2147483791" r:id="rId1"/>
   </p:sldMasterIdLst>
@@ -205,7 +205,7 @@
           <a:p>
             <a:fld id="{A78B980B-A051-5042-A199-B77431CF73D3}" type="datetimeFigureOut">
               <a:rPr lang="en-US" smtClean="0"/>
-              <a:t>10/28/22</a:t>
+              <a:t>5/29/23</a:t>
             </a:fld>
             <a:endParaRPr lang="en-US"/>
           </a:p>
@@ -891,9 +891,9 @@
             </a:lvl1pPr>
           </a:lstStyle>
           <a:p>
-            <a:fld id="{C9BDE967-223D-4348-8B2A-1E98EBE83A9A}" type="datetime1">
+            <a:fld id="{58A22F78-0379-7949-B4A2-8A5415DD823A}" type="datetime1">
               <a:rPr lang="en-US" smtClean="0"/>
-              <a:t>10/28/22</a:t>
+              <a:t>5/29/23</a:t>
             </a:fld>
             <a:endParaRPr lang="en-US" dirty="0"/>
           </a:p>
@@ -935,7 +935,7 @@
           <a:p>
             <a:r>
               <a:rPr lang="en-US"/>
-              <a:t>© 2022 FLL Tutorials </a:t>
+              <a:t>© 2023 FLLTutorials.com. Last Edit 5/29/2023</a:t>
             </a:r>
             <a:endParaRPr lang="en-US" dirty="0"/>
           </a:p>
@@ -1018,57 +1018,6 @@
           </a:prstGeom>
         </p:spPr>
       </p:pic>
-      <p:sp>
-        <p:nvSpPr>
-          <p:cNvPr id="9" name="Rectangle 8">
-            <a:extLst>
-              <a:ext uri="{FF2B5EF4-FFF2-40B4-BE49-F238E27FC236}">
-                <a16:creationId xmlns:a16="http://schemas.microsoft.com/office/drawing/2014/main" id="{F21A59D1-DD54-41FB-B64B-BC76D6C9C798}"/>
-              </a:ext>
-            </a:extLst>
-          </p:cNvPr>
-          <p:cNvSpPr/>
-          <p:nvPr userDrawn="1"/>
-        </p:nvSpPr>
-        <p:spPr>
-          <a:xfrm>
-            <a:off x="-2358" y="6272819"/>
-            <a:ext cx="9141619" cy="64008"/>
-          </a:xfrm>
-          <a:prstGeom prst="rect">
-            <a:avLst/>
-          </a:prstGeom>
-          <a:solidFill>
-            <a:srgbClr val="24CF39"/>
-          </a:solidFill>
-          <a:ln>
-            <a:noFill/>
-          </a:ln>
-        </p:spPr>
-        <p:style>
-          <a:lnRef idx="2">
-            <a:schemeClr val="accent1">
-              <a:shade val="50000"/>
-            </a:schemeClr>
-          </a:lnRef>
-          <a:fillRef idx="1">
-            <a:schemeClr val="accent1"/>
-          </a:fillRef>
-          <a:effectRef idx="0">
-            <a:schemeClr val="accent1"/>
-          </a:effectRef>
-          <a:fontRef idx="minor">
-            <a:schemeClr val="lt1"/>
-          </a:fontRef>
-        </p:style>
-        <p:txBody>
-          <a:bodyPr/>
-          <a:lstStyle/>
-          <a:p>
-            <a:endParaRPr lang="en-US" dirty="0"/>
-          </a:p>
-        </p:txBody>
-      </p:sp>
     </p:spTree>
     <p:extLst>
       <p:ext uri="{BB962C8B-B14F-4D97-AF65-F5344CB8AC3E}">
@@ -1252,9 +1201,9 @@
           <a:bodyPr/>
           <a:lstStyle/>
           <a:p>
-            <a:fld id="{A8152D11-80F2-8741-BD5F-AB98D67063DD}" type="datetime1">
+            <a:fld id="{E29AE74D-52E5-D844-9837-3130C51F052F}" type="datetime1">
               <a:rPr lang="en-US" smtClean="0"/>
-              <a:t>10/28/22</a:t>
+              <a:t>5/29/23</a:t>
             </a:fld>
             <a:endParaRPr lang="en-US" dirty="0"/>
           </a:p>
@@ -1285,7 +1234,7 @@
           <a:p>
             <a:r>
               <a:rPr lang="en-US"/>
-              <a:t>© 2022 FLL Tutorials </a:t>
+              <a:t>© 2023 FLLTutorials.com. Last Edit 5/29/2023</a:t>
             </a:r>
             <a:endParaRPr lang="en-US" dirty="0"/>
           </a:p>
@@ -1510,9 +1459,9 @@
             </a:lvl1pPr>
           </a:lstStyle>
           <a:p>
-            <a:fld id="{A914CD1D-D7D1-6748-83AC-3FBE49E1D8B6}" type="datetime1">
+            <a:fld id="{D9FA56A3-26F0-8A4C-BB32-279BFBEB5AA1}" type="datetime1">
               <a:rPr lang="en-US" smtClean="0"/>
-              <a:t>10/28/22</a:t>
+              <a:t>5/29/23</a:t>
             </a:fld>
             <a:endParaRPr lang="en-US" dirty="0"/>
           </a:p>
@@ -1543,7 +1492,7 @@
           <a:p>
             <a:r>
               <a:rPr lang="en-US"/>
-              <a:t>© 2022 FLL Tutorials </a:t>
+              <a:t>© 2023 FLLTutorials.com. Last Edit 5/29/2023</a:t>
             </a:r>
             <a:endParaRPr lang="en-US" dirty="0"/>
           </a:p>
@@ -1782,6 +1731,9 @@
             <a:off x="5559327" y="6392242"/>
             <a:ext cx="2133600" cy="365125"/>
           </a:xfrm>
+          <a:prstGeom prst="rect">
+            <a:avLst/>
+          </a:prstGeom>
         </p:spPr>
         <p:txBody>
           <a:bodyPr/>
@@ -1798,9 +1750,9 @@
             </a:lvl1pPr>
           </a:lstStyle>
           <a:p>
-            <a:fld id="{805CDBD8-4DDB-AA4B-84CC-722FA61B04F7}" type="datetime1">
+            <a:fld id="{6060BCAE-169E-114A-8365-372338DC3DE0}" type="datetime1">
               <a:rPr lang="en-US" smtClean="0"/>
-              <a:t>10/28/22</a:t>
+              <a:t>5/29/23</a:t>
             </a:fld>
             <a:endParaRPr lang="en-US" dirty="0"/>
           </a:p>
@@ -1845,7 +1797,7 @@
           <a:p>
             <a:r>
               <a:rPr lang="en-US"/>
-              <a:t>© 2022 FLL Tutorials </a:t>
+              <a:t>© 2023 FLLTutorials.com. Last Edit 5/29/2023</a:t>
             </a:r>
             <a:endParaRPr lang="en-US" dirty="0"/>
           </a:p>
@@ -2253,7 +2205,7 @@
             <a:fld id="{B61BEF0D-F0BB-DE4B-95CE-6DB70DBA9567}" type="datetimeFigureOut">
               <a:rPr lang="en-US" smtClean="0"/>
               <a:pPr/>
-              <a:t>10/28/22</a:t>
+              <a:t>5/29/23</a:t>
             </a:fld>
             <a:endParaRPr lang="en-US" dirty="0"/>
           </a:p>
@@ -2808,9 +2760,9 @@
           <a:bodyPr/>
           <a:lstStyle/>
           <a:p>
-            <a:fld id="{21819C4F-A7A7-3043-9B7F-2F2AF986F254}" type="datetime1">
+            <a:fld id="{347280C1-BB01-7346-92BF-F47D86D8497A}" type="datetime1">
               <a:rPr lang="en-US" smtClean="0"/>
-              <a:t>10/28/22</a:t>
+              <a:t>5/29/23</a:t>
             </a:fld>
             <a:endParaRPr lang="en-US" dirty="0"/>
           </a:p>
@@ -2841,7 +2793,7 @@
           <a:p>
             <a:r>
               <a:rPr lang="en-US"/>
-              <a:t>© 2022 FLL Tutorials </a:t>
+              <a:t>© 2023 FLLTutorials.com. Last Edit 5/29/2023</a:t>
             </a:r>
             <a:endParaRPr lang="en-US" dirty="0"/>
           </a:p>
@@ -3257,9 +3209,9 @@
           <a:bodyPr/>
           <a:lstStyle/>
           <a:p>
-            <a:fld id="{B7EA4778-60BB-4F4D-8FE0-6AA1F0A6F110}" type="datetime1">
+            <a:fld id="{AB9988FB-A628-7E48-BEA0-2D175BA0FEAB}" type="datetime1">
               <a:rPr lang="en-US" smtClean="0"/>
-              <a:t>10/28/22</a:t>
+              <a:t>5/29/23</a:t>
             </a:fld>
             <a:endParaRPr lang="en-US" dirty="0"/>
           </a:p>
@@ -3290,7 +3242,7 @@
           <a:p>
             <a:r>
               <a:rPr lang="en-US"/>
-              <a:t>© 2022 FLL Tutorials </a:t>
+              <a:t>© 2023 FLLTutorials.com. Last Edit 5/29/2023</a:t>
             </a:r>
             <a:endParaRPr lang="en-US" dirty="0"/>
           </a:p>
@@ -3442,9 +3394,9 @@
           <a:bodyPr/>
           <a:lstStyle/>
           <a:p>
-            <a:fld id="{0937E4F2-FFD5-D846-B059-7D24A72F8113}" type="datetime1">
+            <a:fld id="{D381CFB9-1684-5F4B-AB0F-618B3720B51F}" type="datetime1">
               <a:rPr lang="en-US" smtClean="0"/>
-              <a:t>10/28/22</a:t>
+              <a:t>5/29/23</a:t>
             </a:fld>
             <a:endParaRPr lang="en-US" dirty="0"/>
           </a:p>
@@ -3475,7 +3427,7 @@
           <a:p>
             <a:r>
               <a:rPr lang="en-US"/>
-              <a:t>© 2022 FLL Tutorials </a:t>
+              <a:t>© 2023 FLLTutorials.com. Last Edit 5/29/2023</a:t>
             </a:r>
             <a:endParaRPr lang="en-US" dirty="0"/>
           </a:p>
@@ -3565,9 +3517,9 @@
           <a:bodyPr/>
           <a:lstStyle/>
           <a:p>
-            <a:fld id="{86A03BB2-C33A-E24E-A1A4-AC8F3C2EB8F1}" type="datetime1">
+            <a:fld id="{3FA9AA88-5D51-4C43-B3F0-804441D57020}" type="datetime1">
               <a:rPr lang="en-US" smtClean="0"/>
-              <a:t>10/28/22</a:t>
+              <a:t>5/29/23</a:t>
             </a:fld>
             <a:endParaRPr lang="en-US" dirty="0"/>
           </a:p>
@@ -3598,7 +3550,7 @@
           <a:p>
             <a:r>
               <a:rPr lang="en-US"/>
-              <a:t>© 2022 FLL Tutorials </a:t>
+              <a:t>© 2023 FLLTutorials.com. Last Edit 5/29/2023</a:t>
             </a:r>
             <a:endParaRPr lang="en-US" dirty="0"/>
           </a:p>
@@ -3971,9 +3923,9 @@
             </a:lvl1pPr>
           </a:lstStyle>
           <a:p>
-            <a:fld id="{7A5ED319-3E2A-7A45-8E06-C842AACD8FAB}" type="datetime1">
+            <a:fld id="{A9CC9D7B-A30B-4C41-8F8D-7FFCC0E097FC}" type="datetime1">
               <a:rPr lang="en-US" smtClean="0"/>
-              <a:t>10/28/22</a:t>
+              <a:t>5/29/23</a:t>
             </a:fld>
             <a:endParaRPr lang="en-US" dirty="0"/>
           </a:p>
@@ -4015,7 +3967,7 @@
           <a:p>
             <a:r>
               <a:rPr lang="en-US"/>
-              <a:t>© 2022 FLL Tutorials </a:t>
+              <a:t>© 2023 FLLTutorials.com. Last Edit 5/29/2023</a:t>
             </a:r>
             <a:endParaRPr lang="en-US" dirty="0"/>
           </a:p>
@@ -4288,9 +4240,9 @@
           <a:bodyPr/>
           <a:lstStyle/>
           <a:p>
-            <a:fld id="{EAA367F6-077F-ED45-9730-2156BEC71B4F}" type="datetime1">
+            <a:fld id="{A7D7AE6F-DCA0-AC40-831A-FDE5CC57E53E}" type="datetime1">
               <a:rPr lang="en-US" smtClean="0"/>
-              <a:t>10/28/22</a:t>
+              <a:t>5/29/23</a:t>
             </a:fld>
             <a:endParaRPr lang="en-US" dirty="0"/>
           </a:p>
@@ -4321,7 +4273,7 @@
           <a:p>
             <a:r>
               <a:rPr lang="en-US"/>
-              <a:t>© 2022 FLL Tutorials </a:t>
+              <a:t>© 2023 FLLTutorials.com. Last Edit 5/29/2023</a:t>
             </a:r>
             <a:endParaRPr lang="en-US" dirty="0"/>
           </a:p>
@@ -4601,10 +4553,10 @@
       </p:sp>
       <p:sp>
         <p:nvSpPr>
-          <p:cNvPr id="12" name="Date Placeholder 3">
+          <p:cNvPr id="13" name="Footer Placeholder 4">
             <a:extLst>
               <a:ext uri="{FF2B5EF4-FFF2-40B4-BE49-F238E27FC236}">
-                <a16:creationId xmlns:a16="http://schemas.microsoft.com/office/drawing/2014/main" id="{0AAE8D72-8133-BD4C-9ABB-B6CCBBAC2CA1}"/>
+                <a16:creationId xmlns:a16="http://schemas.microsoft.com/office/drawing/2014/main" id="{CAB9BFBD-8489-AA40-9E3F-B3F63A8BD518}"/>
               </a:ext>
             </a:extLst>
           </p:cNvPr>
@@ -4612,13 +4564,13 @@
             <a:spLocks noGrp="1"/>
           </p:cNvSpPr>
           <p:nvPr>
-            <p:ph type="dt" sz="half" idx="2"/>
-          </p:nvPr>
-        </p:nvSpPr>
-        <p:spPr>
-          <a:xfrm>
-            <a:off x="5559327" y="6392242"/>
-            <a:ext cx="2133600" cy="365125"/>
+            <p:ph type="ftr" sz="quarter" idx="3"/>
+          </p:nvPr>
+        </p:nvSpPr>
+        <p:spPr>
+          <a:xfrm>
+            <a:off x="581192" y="6387916"/>
+            <a:ext cx="4870585" cy="365125"/>
           </a:xfrm>
           <a:prstGeom prst="rect">
             <a:avLst/>
@@ -4639,20 +4591,20 @@
             </a:lvl1pPr>
           </a:lstStyle>
           <a:p>
-            <a:fld id="{737FEED2-96D1-2B4C-AB90-7611A4BAA44F}" type="datetime1">
-              <a:rPr lang="en-US" smtClean="0"/>
-              <a:t>10/28/22</a:t>
-            </a:fld>
-            <a:endParaRPr lang="en-US" dirty="0"/>
-          </a:p>
-        </p:txBody>
-      </p:sp>
-      <p:sp>
-        <p:nvSpPr>
-          <p:cNvPr id="13" name="Footer Placeholder 4">
+            <a:r>
+              <a:rPr lang="en-US"/>
+              <a:t>© 2023 FLLTutorials.com. Last Edit 5/29/2023</a:t>
+            </a:r>
+            <a:endParaRPr lang="en-US" dirty="0"/>
+          </a:p>
+        </p:txBody>
+      </p:sp>
+      <p:sp>
+        <p:nvSpPr>
+          <p:cNvPr id="14" name="Slide Number Placeholder 5">
             <a:extLst>
               <a:ext uri="{FF2B5EF4-FFF2-40B4-BE49-F238E27FC236}">
-                <a16:creationId xmlns:a16="http://schemas.microsoft.com/office/drawing/2014/main" id="{CAB9BFBD-8489-AA40-9E3F-B3F63A8BD518}"/>
+                <a16:creationId xmlns:a16="http://schemas.microsoft.com/office/drawing/2014/main" id="{B04709EF-0344-434E-8D31-15D41ADEE43F}"/>
               </a:ext>
             </a:extLst>
           </p:cNvPr>
@@ -4660,13 +4612,13 @@
             <a:spLocks noGrp="1"/>
           </p:cNvSpPr>
           <p:nvPr>
-            <p:ph type="ftr" sz="quarter" idx="3"/>
-          </p:nvPr>
-        </p:nvSpPr>
-        <p:spPr>
-          <a:xfrm>
-            <a:off x="581192" y="6387916"/>
-            <a:ext cx="4870585" cy="365125"/>
+            <p:ph type="sldNum" sz="quarter" idx="4"/>
+          </p:nvPr>
+        </p:nvSpPr>
+        <p:spPr>
+          <a:xfrm>
+            <a:off x="7800476" y="6392242"/>
+            <a:ext cx="770468" cy="365125"/>
           </a:xfrm>
           <a:prstGeom prst="rect">
             <a:avLst/>
@@ -4687,110 +4639,11 @@
             </a:lvl1pPr>
           </a:lstStyle>
           <a:p>
-            <a:r>
-              <a:rPr lang="en-US"/>
-              <a:t>© 2022 FLL Tutorials </a:t>
-            </a:r>
-            <a:endParaRPr lang="en-US" dirty="0"/>
-          </a:p>
-        </p:txBody>
-      </p:sp>
-      <p:sp>
-        <p:nvSpPr>
-          <p:cNvPr id="14" name="Slide Number Placeholder 5">
-            <a:extLst>
-              <a:ext uri="{FF2B5EF4-FFF2-40B4-BE49-F238E27FC236}">
-                <a16:creationId xmlns:a16="http://schemas.microsoft.com/office/drawing/2014/main" id="{B04709EF-0344-434E-8D31-15D41ADEE43F}"/>
-              </a:ext>
-            </a:extLst>
-          </p:cNvPr>
-          <p:cNvSpPr>
-            <a:spLocks noGrp="1"/>
-          </p:cNvSpPr>
-          <p:nvPr>
-            <p:ph type="sldNum" sz="quarter" idx="4"/>
-          </p:nvPr>
-        </p:nvSpPr>
-        <p:spPr>
-          <a:xfrm>
-            <a:off x="7800476" y="6392242"/>
-            <a:ext cx="770468" cy="365125"/>
-          </a:xfrm>
-          <a:prstGeom prst="rect">
-            <a:avLst/>
-          </a:prstGeom>
-        </p:spPr>
-        <p:txBody>
-          <a:bodyPr/>
-          <a:lstStyle>
-            <a:lvl1pPr>
-              <a:defRPr>
-                <a:solidFill>
-                  <a:schemeClr val="accent1">
-                    <a:lumMod val="75000"/>
-                    <a:lumOff val="25000"/>
-                  </a:schemeClr>
-                </a:solidFill>
-              </a:defRPr>
-            </a:lvl1pPr>
-          </a:lstStyle>
-          <a:p>
             <a:fld id="{6D22F896-40B5-4ADD-8801-0D06FADFA095}" type="slidenum">
               <a:rPr lang="en-US" smtClean="0"/>
               <a:pPr/>
               <a:t>‹#›</a:t>
             </a:fld>
-            <a:endParaRPr lang="en-US" dirty="0"/>
-          </a:p>
-        </p:txBody>
-      </p:sp>
-      <p:sp>
-        <p:nvSpPr>
-          <p:cNvPr id="15" name="Rectangle 14">
-            <a:extLst>
-              <a:ext uri="{FF2B5EF4-FFF2-40B4-BE49-F238E27FC236}">
-                <a16:creationId xmlns:a16="http://schemas.microsoft.com/office/drawing/2014/main" id="{C965FB28-EAB1-4422-B2F9-A6B77C4C7FF0}"/>
-              </a:ext>
-            </a:extLst>
-          </p:cNvPr>
-          <p:cNvSpPr/>
-          <p:nvPr userDrawn="1"/>
-        </p:nvSpPr>
-        <p:spPr>
-          <a:xfrm>
-            <a:off x="-1" y="6273337"/>
-            <a:ext cx="9144001" cy="65999"/>
-          </a:xfrm>
-          <a:prstGeom prst="rect">
-            <a:avLst/>
-          </a:prstGeom>
-          <a:solidFill>
-            <a:srgbClr val="24CF39"/>
-          </a:solidFill>
-          <a:ln>
-            <a:noFill/>
-          </a:ln>
-        </p:spPr>
-        <p:style>
-          <a:lnRef idx="2">
-            <a:schemeClr val="accent1">
-              <a:shade val="50000"/>
-            </a:schemeClr>
-          </a:lnRef>
-          <a:fillRef idx="1">
-            <a:schemeClr val="accent1"/>
-          </a:fillRef>
-          <a:effectRef idx="0">
-            <a:schemeClr val="accent1"/>
-          </a:effectRef>
-          <a:fontRef idx="minor">
-            <a:schemeClr val="lt1"/>
-          </a:fontRef>
-        </p:style>
-        <p:txBody>
-          <a:bodyPr/>
-          <a:lstStyle/>
-          <a:p>
             <a:endParaRPr lang="en-US" dirty="0"/>
           </a:p>
         </p:txBody>
@@ -5250,58 +5103,6 @@
           </a:p>
         </p:txBody>
       </p:sp>
-      <p:sp>
-        <p:nvSpPr>
-          <p:cNvPr id="5" name="Slide Number Placeholder 4"/>
-          <p:cNvSpPr>
-            <a:spLocks noGrp="1"/>
-          </p:cNvSpPr>
-          <p:nvPr>
-            <p:ph type="sldNum" sz="quarter" idx="12"/>
-          </p:nvPr>
-        </p:nvSpPr>
-        <p:spPr/>
-        <p:txBody>
-          <a:bodyPr/>
-          <a:lstStyle/>
-          <a:p>
-            <a:fld id="{6D22F896-40B5-4ADD-8801-0D06FADFA095}" type="slidenum">
-              <a:rPr lang="en-US" smtClean="0"/>
-              <a:t>1</a:t>
-            </a:fld>
-            <a:endParaRPr lang="en-US" dirty="0"/>
-          </a:p>
-        </p:txBody>
-      </p:sp>
-      <p:sp>
-        <p:nvSpPr>
-          <p:cNvPr id="4" name="Footer Placeholder 3">
-            <a:extLst>
-              <a:ext uri="{FF2B5EF4-FFF2-40B4-BE49-F238E27FC236}">
-                <a16:creationId xmlns:a16="http://schemas.microsoft.com/office/drawing/2014/main" id="{F2357EFD-9476-1097-6625-C17DAC4515DA}"/>
-              </a:ext>
-            </a:extLst>
-          </p:cNvPr>
-          <p:cNvSpPr>
-            <a:spLocks noGrp="1"/>
-          </p:cNvSpPr>
-          <p:nvPr>
-            <p:ph type="ftr" sz="quarter" idx="11"/>
-          </p:nvPr>
-        </p:nvSpPr>
-        <p:spPr/>
-        <p:txBody>
-          <a:bodyPr/>
-          <a:lstStyle/>
-          <a:p>
-            <a:r>
-              <a:rPr lang="en-US"/>
-              <a:t>© 2022 FLL Tutorials </a:t>
-            </a:r>
-            <a:endParaRPr lang="en-US" dirty="0"/>
-          </a:p>
-        </p:txBody>
-      </p:sp>
     </p:spTree>
     <p:extLst>
       <p:ext uri="{BB962C8B-B14F-4D97-AF65-F5344CB8AC3E}">
@@ -5394,7 +5195,7 @@
           <a:p>
             <a:r>
               <a:rPr lang="en-US"/>
-              <a:t>© 2022 FLL Tutorials </a:t>
+              <a:t>© 2023 FLLTutorials.com. Last Edit 5/29/2023</a:t>
             </a:r>
             <a:endParaRPr lang="en-US" dirty="0"/>
           </a:p>
@@ -5492,7 +5293,7 @@
           <a:p>
             <a:r>
               <a:rPr lang="en-US"/>
-              <a:t>© 2022 FLL Tutorials </a:t>
+              <a:t>© 2023 FLLTutorials.com. Last Edit 5/29/2023</a:t>
             </a:r>
             <a:endParaRPr lang="en-US" dirty="0"/>
           </a:p>
@@ -5529,8 +5330,8 @@
         </p:nvSpPr>
         <p:spPr>
           <a:xfrm>
-            <a:off x="372247" y="1674982"/>
-            <a:ext cx="3880022" cy="3754874"/>
+            <a:off x="372246" y="1674982"/>
+            <a:ext cx="4554083" cy="3477875"/>
           </a:xfrm>
           <a:prstGeom prst="rect">
             <a:avLst/>
@@ -5574,7 +5375,7 @@
             </a:pPr>
             <a:r>
               <a:rPr lang="en-US" dirty="0"/>
-              <a:t>Rule #2 is to read the Updates during the season</a:t>
+              <a:t>Rule #2 is to read the Challenge Updates during the season</a:t>
             </a:r>
           </a:p>
           <a:p>
@@ -5591,29 +5392,22 @@
             </a:pPr>
             <a:r>
               <a:rPr lang="en-US" sz="1600" dirty="0"/>
-              <a:t>Tip: Many teams like to take notes on each mission (the rules, the points, etc.) and place them next to the missions on the mat (You can get the tents pictured on: https://</a:t>
-            </a:r>
-            <a:r>
-              <a:rPr lang="en-US" sz="1600" dirty="0" err="1"/>
-              <a:t>flltutorials.com</a:t>
+              <a:t>Tip: Many teams like to take notes on each mission (the rules, the points, etc.) and place them next to the missions on the mat (You can get the tents pictured on: </a:t>
+            </a:r>
+            <a:r>
+              <a:rPr lang="en-US" sz="1600" dirty="0">
+                <a:hlinkClick r:id="rId2"/>
+              </a:rPr>
+              <a:t>https://flltutorials.com/en/Worksheets.html</a:t>
             </a:r>
             <a:r>
               <a:rPr lang="en-US" sz="1600" dirty="0"/>
-              <a:t>/</a:t>
-            </a:r>
-            <a:r>
-              <a:rPr lang="en-US" sz="1600" dirty="0" err="1"/>
-              <a:t>en</a:t>
-            </a:r>
-            <a:r>
-              <a:rPr lang="en-US" sz="1600" dirty="0"/>
-              <a:t>/</a:t>
-            </a:r>
-            <a:r>
-              <a:rPr lang="en-US" sz="1600" dirty="0" err="1"/>
-              <a:t>Worksheets.html</a:t>
-            </a:r>
-            <a:endParaRPr lang="en-US" sz="1600" dirty="0"/>
+              <a:t>. </a:t>
+            </a:r>
+            <a:r>
+              <a:rPr lang="en-US" sz="1600" i="1" dirty="0"/>
+              <a:t>They will be updated for the newest season in August 2023</a:t>
+            </a:r>
           </a:p>
         </p:txBody>
       </p:sp>
@@ -5631,16 +5425,15 @@
           </p:cNvPicPr>
           <p:nvPr/>
         </p:nvPicPr>
-        <p:blipFill>
-          <a:blip r:embed="rId2"/>
-          <a:stretch>
-            <a:fillRect/>
-          </a:stretch>
+        <p:blipFill rotWithShape="1">
+          <a:blip r:embed="rId3"/>
+          <a:srcRect b="77661"/>
+          <a:stretch/>
         </p:blipFill>
         <p:spPr>
           <a:xfrm>
-            <a:off x="4413897" y="1637177"/>
-            <a:ext cx="2865939" cy="3825433"/>
+            <a:off x="5451777" y="1674982"/>
+            <a:ext cx="2865939" cy="854563"/>
           </a:xfrm>
           <a:prstGeom prst="rect">
             <a:avLst/>
@@ -5662,36 +5455,6 @@
           <p:nvPr/>
         </p:nvPicPr>
         <p:blipFill>
-          <a:blip r:embed="rId3"/>
-          <a:stretch>
-            <a:fillRect/>
-          </a:stretch>
-        </p:blipFill>
-        <p:spPr>
-          <a:xfrm>
-            <a:off x="6358419" y="4221770"/>
-            <a:ext cx="2525280" cy="1900578"/>
-          </a:xfrm>
-          <a:prstGeom prst="rect">
-            <a:avLst/>
-          </a:prstGeom>
-        </p:spPr>
-      </p:pic>
-      <p:pic>
-        <p:nvPicPr>
-          <p:cNvPr id="15" name="Picture 14" descr="Graphical user interface, text, application, email&#10;&#10;Description automatically generated">
-            <a:extLst>
-              <a:ext uri="{FF2B5EF4-FFF2-40B4-BE49-F238E27FC236}">
-                <a16:creationId xmlns:a16="http://schemas.microsoft.com/office/drawing/2014/main" id="{42BC62BF-260C-C490-ECCD-FF7893D41963}"/>
-              </a:ext>
-            </a:extLst>
-          </p:cNvPr>
-          <p:cNvPicPr>
-            <a:picLocks noChangeAspect="1"/>
-          </p:cNvPicPr>
-          <p:nvPr/>
-        </p:nvPicPr>
-        <p:blipFill>
           <a:blip r:embed="rId4"/>
           <a:stretch>
             <a:fillRect/>
@@ -5699,17 +5462,12 @@
         </p:blipFill>
         <p:spPr>
           <a:xfrm>
-            <a:off x="6771058" y="2583949"/>
-            <a:ext cx="2058835" cy="1425029"/>
+            <a:off x="5451777" y="3611880"/>
+            <a:ext cx="3052010" cy="2297006"/>
           </a:xfrm>
           <a:prstGeom prst="rect">
             <a:avLst/>
           </a:prstGeom>
-          <a:ln>
-            <a:solidFill>
-              <a:schemeClr val="accent1"/>
-            </a:solidFill>
-          </a:ln>
         </p:spPr>
       </p:pic>
     </p:spTree>
@@ -5846,7 +5604,7 @@
           <a:p>
             <a:r>
               <a:rPr lang="en-US"/>
-              <a:t>© 2022 FLL Tutorials </a:t>
+              <a:t>© 2023 FLLTutorials.com. Last Edit 5/29/2023</a:t>
             </a:r>
             <a:endParaRPr lang="en-US" dirty="0"/>
           </a:p>
@@ -5883,8 +5641,8 @@
         </p:nvSpPr>
         <p:spPr>
           <a:xfrm>
-            <a:off x="4695568" y="4211416"/>
-            <a:ext cx="4109838" cy="646331"/>
+            <a:off x="977987" y="5499762"/>
+            <a:ext cx="7188025" cy="369332"/>
           </a:xfrm>
           <a:prstGeom prst="rect">
             <a:avLst/>
@@ -5910,10 +5668,10 @@
       </p:sp>
       <p:pic>
         <p:nvPicPr>
-          <p:cNvPr id="8" name="Picture 7" descr="A picture containing map&#10;&#10;Description automatically generated">
+          <p:cNvPr id="7" name="Picture 6" descr="A picture containing screenshot, games, LEGO, game&#10;&#10;Description automatically generated">
             <a:extLst>
               <a:ext uri="{FF2B5EF4-FFF2-40B4-BE49-F238E27FC236}">
-                <a16:creationId xmlns:a16="http://schemas.microsoft.com/office/drawing/2014/main" id="{94075446-9E22-21C1-2F4F-E3E056E5095C}"/>
+                <a16:creationId xmlns:a16="http://schemas.microsoft.com/office/drawing/2014/main" id="{91B7D613-D225-9328-7D0A-A129ED38021C}"/>
               </a:ext>
             </a:extLst>
           </p:cNvPr>
@@ -5930,8 +5688,8 @@
         </p:blipFill>
         <p:spPr>
           <a:xfrm>
-            <a:off x="4516854" y="1855461"/>
-            <a:ext cx="4288552" cy="2075223"/>
+            <a:off x="4233798" y="1744333"/>
+            <a:ext cx="3998944" cy="2432691"/>
           </a:xfrm>
           <a:prstGeom prst="rect">
             <a:avLst/>
@@ -6007,7 +5765,7 @@
           <a:p>
             <a:r>
               <a:rPr lang="en-US"/>
-              <a:t>© 2022 FLL Tutorials </a:t>
+              <a:t>© 2023 FLLTutorials.com. Last Edit 5/29/2023</a:t>
             </a:r>
             <a:endParaRPr lang="en-US" dirty="0"/>
           </a:p>
@@ -6130,8 +5888,8 @@
         </p:nvSpPr>
         <p:spPr>
           <a:xfrm>
-            <a:off x="166584" y="5908915"/>
-            <a:ext cx="7244163" cy="523220"/>
+            <a:off x="383399" y="4049877"/>
+            <a:ext cx="4108236" cy="1384995"/>
           </a:xfrm>
           <a:prstGeom prst="rect">
             <a:avLst/>
@@ -6139,7 +5897,7 @@
           <a:noFill/>
         </p:spPr>
         <p:txBody>
-          <a:bodyPr wrap="none" rtlCol="0">
+          <a:bodyPr wrap="square" rtlCol="0">
             <a:spAutoFit/>
           </a:bodyPr>
           <a:lstStyle/>
@@ -6149,30 +5907,21 @@
               <a:t>All worksheets mentioned in this document at available at </a:t>
             </a:r>
             <a:r>
-              <a:rPr lang="en-US" sz="1400" dirty="0"/>
-              <a:t>https://</a:t>
-            </a:r>
-            <a:r>
-              <a:rPr lang="en-US" sz="1400" dirty="0" err="1"/>
-              <a:t>flltutorials.com</a:t>
-            </a:r>
-            <a:r>
-              <a:rPr lang="en-US" sz="1400" dirty="0"/>
-              <a:t>/</a:t>
-            </a:r>
-            <a:r>
-              <a:rPr lang="en-US" sz="1400" dirty="0" err="1"/>
-              <a:t>en</a:t>
-            </a:r>
-            <a:r>
-              <a:rPr lang="en-US" sz="1400" dirty="0"/>
-              <a:t>/</a:t>
-            </a:r>
-            <a:r>
-              <a:rPr lang="en-US" sz="1400" dirty="0" err="1"/>
-              <a:t>Worksheets.html</a:t>
-            </a:r>
+              <a:rPr lang="en-US" sz="1400" dirty="0">
+                <a:hlinkClick r:id="rId4"/>
+              </a:rPr>
+              <a:t>https://flltutorials.com/en/Worksheets.html</a:t>
+            </a:r>
+            <a:endParaRPr lang="en-US" sz="1400" dirty="0"/>
+          </a:p>
+          <a:p>
             <a:endParaRPr lang="en-US" sz="1400" i="1" dirty="0"/>
+          </a:p>
+          <a:p>
+            <a:r>
+              <a:rPr lang="en-US" sz="1400" i="1" dirty="0"/>
+              <a:t>They will be updated for the newest season in August 2023</a:t>
+            </a:r>
           </a:p>
           <a:p>
             <a:endParaRPr lang="en-US" sz="1400" dirty="0"/>
@@ -6209,115 +5958,12 @@
           <a:chExt cx="0" cy="0"/>
         </a:xfrm>
       </p:grpSpPr>
-      <p:sp>
-        <p:nvSpPr>
-          <p:cNvPr id="2" name="Title 1"/>
-          <p:cNvSpPr>
-            <a:spLocks noGrp="1"/>
-          </p:cNvSpPr>
-          <p:nvPr>
-            <p:ph type="title"/>
-          </p:nvPr>
-        </p:nvSpPr>
-        <p:spPr/>
-        <p:txBody>
-          <a:bodyPr/>
-          <a:lstStyle/>
-          <a:p>
-            <a:r>
-              <a:rPr lang="en-US" dirty="0"/>
-              <a:t>Step 3: Team Robot Game Strategy</a:t>
-            </a:r>
-          </a:p>
-        </p:txBody>
-      </p:sp>
-      <p:sp>
-        <p:nvSpPr>
-          <p:cNvPr id="3" name="Content Placeholder 2"/>
-          <p:cNvSpPr>
-            <a:spLocks noGrp="1"/>
-          </p:cNvSpPr>
-          <p:nvPr>
-            <p:ph idx="1"/>
-          </p:nvPr>
-        </p:nvSpPr>
-        <p:spPr>
-          <a:xfrm>
-            <a:off x="465424" y="1559574"/>
-            <a:ext cx="8476376" cy="4023360"/>
-          </a:xfrm>
-        </p:spPr>
-        <p:txBody>
-          <a:bodyPr>
-            <a:normAutofit/>
-          </a:bodyPr>
-          <a:lstStyle/>
-          <a:p>
-            <a:r>
-              <a:rPr lang="en-US" sz="2000" dirty="0"/>
-              <a:t>Plan out a path for each run/launch</a:t>
-            </a:r>
-          </a:p>
-          <a:p>
-            <a:r>
-              <a:rPr lang="en-US" sz="2000" dirty="0"/>
-              <a:t>We recommend that each team member comes up with a strategy and then the team listens to all the ideas and combines them.</a:t>
-            </a:r>
-          </a:p>
-        </p:txBody>
-      </p:sp>
-      <p:sp>
-        <p:nvSpPr>
-          <p:cNvPr id="4" name="Footer Placeholder 3"/>
-          <p:cNvSpPr>
-            <a:spLocks noGrp="1"/>
-          </p:cNvSpPr>
-          <p:nvPr>
-            <p:ph type="ftr" sz="quarter" idx="11"/>
-          </p:nvPr>
-        </p:nvSpPr>
-        <p:spPr/>
-        <p:txBody>
-          <a:bodyPr/>
-          <a:lstStyle/>
-          <a:p>
-            <a:r>
-              <a:rPr lang="en-US"/>
-              <a:t>© 2022 FLL Tutorials </a:t>
-            </a:r>
-            <a:endParaRPr lang="en-US" dirty="0"/>
-          </a:p>
-        </p:txBody>
-      </p:sp>
-      <p:sp>
-        <p:nvSpPr>
-          <p:cNvPr id="5" name="Slide Number Placeholder 4"/>
-          <p:cNvSpPr>
-            <a:spLocks noGrp="1"/>
-          </p:cNvSpPr>
-          <p:nvPr>
-            <p:ph type="sldNum" sz="quarter" idx="12"/>
-          </p:nvPr>
-        </p:nvSpPr>
-        <p:spPr/>
-        <p:txBody>
-          <a:bodyPr/>
-          <a:lstStyle/>
-          <a:p>
-            <a:fld id="{6D22F896-40B5-4ADD-8801-0D06FADFA095}" type="slidenum">
-              <a:rPr lang="en-US" smtClean="0"/>
-              <a:t>6</a:t>
-            </a:fld>
-            <a:endParaRPr lang="en-US" dirty="0"/>
-          </a:p>
-        </p:txBody>
-      </p:sp>
       <p:pic>
         <p:nvPicPr>
-          <p:cNvPr id="7" name="Picture 6" descr="A picture containing map&#10;&#10;Description automatically generated">
+          <p:cNvPr id="9" name="Picture 8" descr="A close up of a board&#10;&#10;Description automatically generated with low confidence">
             <a:extLst>
               <a:ext uri="{FF2B5EF4-FFF2-40B4-BE49-F238E27FC236}">
-                <a16:creationId xmlns:a16="http://schemas.microsoft.com/office/drawing/2014/main" id="{F5EB6EF2-3700-640E-7C99-881F30E18D94}"/>
+                <a16:creationId xmlns:a16="http://schemas.microsoft.com/office/drawing/2014/main" id="{C9C8B531-01AA-4FB4-2620-73C3FBCE92B8}"/>
               </a:ext>
             </a:extLst>
           </p:cNvPr>
@@ -6327,27 +5973,124 @@
           <p:nvPr/>
         </p:nvPicPr>
         <p:blipFill>
-          <a:blip r:embed="rId2">
-            <a:extLst>
-              <a:ext uri="{28A0092B-C50C-407E-A947-70E740481C1C}">
-                <a14:useLocalDpi xmlns:a14="http://schemas.microsoft.com/office/drawing/2010/main" val="0"/>
-              </a:ext>
-            </a:extLst>
-          </a:blip>
+          <a:blip r:embed="rId2"/>
           <a:stretch>
             <a:fillRect/>
           </a:stretch>
         </p:blipFill>
         <p:spPr>
           <a:xfrm>
-            <a:off x="1111455" y="2821422"/>
-            <a:ext cx="6921089" cy="3349103"/>
+            <a:off x="672766" y="2770383"/>
+            <a:ext cx="7798466" cy="3606790"/>
           </a:xfrm>
           <a:prstGeom prst="rect">
             <a:avLst/>
           </a:prstGeom>
         </p:spPr>
       </p:pic>
+      <p:sp>
+        <p:nvSpPr>
+          <p:cNvPr id="2" name="Title 1"/>
+          <p:cNvSpPr>
+            <a:spLocks noGrp="1"/>
+          </p:cNvSpPr>
+          <p:nvPr>
+            <p:ph type="title"/>
+          </p:nvPr>
+        </p:nvSpPr>
+        <p:spPr/>
+        <p:txBody>
+          <a:bodyPr/>
+          <a:lstStyle/>
+          <a:p>
+            <a:r>
+              <a:rPr lang="en-US" dirty="0"/>
+              <a:t>Step 3: Team Robot Game Strategy</a:t>
+            </a:r>
+          </a:p>
+        </p:txBody>
+      </p:sp>
+      <p:sp>
+        <p:nvSpPr>
+          <p:cNvPr id="3" name="Content Placeholder 2"/>
+          <p:cNvSpPr>
+            <a:spLocks noGrp="1"/>
+          </p:cNvSpPr>
+          <p:nvPr>
+            <p:ph idx="1"/>
+          </p:nvPr>
+        </p:nvSpPr>
+        <p:spPr>
+          <a:xfrm>
+            <a:off x="465424" y="1559574"/>
+            <a:ext cx="8476376" cy="4023360"/>
+          </a:xfrm>
+        </p:spPr>
+        <p:txBody>
+          <a:bodyPr>
+            <a:normAutofit/>
+          </a:bodyPr>
+          <a:lstStyle/>
+          <a:p>
+            <a:r>
+              <a:rPr lang="en-US" sz="2000" dirty="0"/>
+              <a:t>Plan out a path for each run/launch</a:t>
+            </a:r>
+          </a:p>
+          <a:p>
+            <a:r>
+              <a:rPr lang="en-US" sz="2000" dirty="0"/>
+              <a:t>We recommend that each team member comes up with a strategy and then the team listens to all the ideas and combines them.</a:t>
+            </a:r>
+          </a:p>
+        </p:txBody>
+      </p:sp>
+      <p:sp>
+        <p:nvSpPr>
+          <p:cNvPr id="4" name="Footer Placeholder 3"/>
+          <p:cNvSpPr>
+            <a:spLocks noGrp="1"/>
+          </p:cNvSpPr>
+          <p:nvPr>
+            <p:ph type="ftr" sz="quarter" idx="11"/>
+          </p:nvPr>
+        </p:nvSpPr>
+        <p:spPr/>
+        <p:txBody>
+          <a:bodyPr/>
+          <a:lstStyle/>
+          <a:p>
+            <a:r>
+              <a:rPr lang="en-US"/>
+              <a:t>© 2023 FLLTutorials.com. Last Edit 5/29/2023</a:t>
+            </a:r>
+            <a:endParaRPr lang="en-US" dirty="0"/>
+          </a:p>
+        </p:txBody>
+      </p:sp>
+      <p:sp>
+        <p:nvSpPr>
+          <p:cNvPr id="5" name="Slide Number Placeholder 4"/>
+          <p:cNvSpPr>
+            <a:spLocks noGrp="1"/>
+          </p:cNvSpPr>
+          <p:nvPr>
+            <p:ph type="sldNum" sz="quarter" idx="12"/>
+          </p:nvPr>
+        </p:nvSpPr>
+        <p:spPr/>
+        <p:txBody>
+          <a:bodyPr/>
+          <a:lstStyle/>
+          <a:p>
+            <a:fld id="{6D22F896-40B5-4ADD-8801-0D06FADFA095}" type="slidenum">
+              <a:rPr lang="en-US" smtClean="0"/>
+              <a:t>6</a:t>
+            </a:fld>
+            <a:endParaRPr lang="en-US" dirty="0"/>
+          </a:p>
+        </p:txBody>
+      </p:sp>
       <p:cxnSp>
         <p:nvCxnSpPr>
           <p:cNvPr id="8" name="Straight Connector 7">
@@ -6363,52 +6106,9 @@
           <p:nvPr/>
         </p:nvCxnSpPr>
         <p:spPr>
-          <a:xfrm>
-            <a:off x="5776552" y="3395731"/>
-            <a:ext cx="1499902" cy="1025848"/>
-          </a:xfrm>
-          <a:prstGeom prst="line">
-            <a:avLst/>
-          </a:prstGeom>
-          <a:ln w="76200">
-            <a:solidFill>
-              <a:srgbClr val="FFC000"/>
-            </a:solidFill>
-          </a:ln>
-        </p:spPr>
-        <p:style>
-          <a:lnRef idx="1">
-            <a:schemeClr val="accent1"/>
-          </a:lnRef>
-          <a:fillRef idx="0">
-            <a:schemeClr val="accent1"/>
-          </a:fillRef>
-          <a:effectRef idx="0">
-            <a:schemeClr val="accent1"/>
-          </a:effectRef>
-          <a:fontRef idx="minor">
-            <a:schemeClr val="tx1"/>
-          </a:fontRef>
-        </p:style>
-      </p:cxnSp>
-      <p:cxnSp>
-        <p:nvCxnSpPr>
-          <p:cNvPr id="10" name="Straight Connector 9">
-            <a:extLst>
-              <a:ext uri="{FF2B5EF4-FFF2-40B4-BE49-F238E27FC236}">
-                <a16:creationId xmlns:a16="http://schemas.microsoft.com/office/drawing/2014/main" id="{24930F28-5190-076E-F4C8-1F4BD4EBADC1}"/>
-              </a:ext>
-            </a:extLst>
-          </p:cNvPr>
-          <p:cNvCxnSpPr>
-            <a:cxnSpLocks/>
-          </p:cNvCxnSpPr>
-          <p:nvPr/>
-        </p:nvCxnSpPr>
-        <p:spPr>
           <a:xfrm flipH="1">
-            <a:off x="4571999" y="3395731"/>
-            <a:ext cx="1204553" cy="55636"/>
+            <a:off x="6283010" y="3885329"/>
+            <a:ext cx="503883" cy="885515"/>
           </a:xfrm>
           <a:prstGeom prst="line">
             <a:avLst/>
@@ -6449,9 +6149,9 @@
           <p:nvPr/>
         </p:nvCxnSpPr>
         <p:spPr>
-          <a:xfrm flipH="1">
-            <a:off x="7118463" y="4417253"/>
-            <a:ext cx="157991" cy="907536"/>
+          <a:xfrm>
+            <a:off x="6283010" y="4770844"/>
+            <a:ext cx="735850" cy="421680"/>
           </a:xfrm>
           <a:prstGeom prst="line">
             <a:avLst/>
@@ -6493,51 +6193,8 @@
         </p:nvCxnSpPr>
         <p:spPr>
           <a:xfrm>
-            <a:off x="2642213" y="5592272"/>
-            <a:ext cx="2134119" cy="0"/>
-          </a:xfrm>
-          <a:prstGeom prst="line">
-            <a:avLst/>
-          </a:prstGeom>
-          <a:ln w="76200">
-            <a:solidFill>
-              <a:srgbClr val="FF0000"/>
-            </a:solidFill>
-          </a:ln>
-        </p:spPr>
-        <p:style>
-          <a:lnRef idx="1">
-            <a:schemeClr val="accent1"/>
-          </a:lnRef>
-          <a:fillRef idx="0">
-            <a:schemeClr val="accent1"/>
-          </a:fillRef>
-          <a:effectRef idx="0">
-            <a:schemeClr val="accent1"/>
-          </a:effectRef>
-          <a:fontRef idx="minor">
-            <a:schemeClr val="tx1"/>
-          </a:fontRef>
-        </p:style>
-      </p:cxnSp>
-      <p:cxnSp>
-        <p:nvCxnSpPr>
-          <p:cNvPr id="13" name="Straight Connector 12">
-            <a:extLst>
-              <a:ext uri="{FF2B5EF4-FFF2-40B4-BE49-F238E27FC236}">
-                <a16:creationId xmlns:a16="http://schemas.microsoft.com/office/drawing/2014/main" id="{5AFB1192-6D0C-B250-DA2A-F0720728C90C}"/>
-              </a:ext>
-            </a:extLst>
-          </p:cNvPr>
-          <p:cNvCxnSpPr>
-            <a:cxnSpLocks/>
-          </p:cNvCxnSpPr>
-          <p:nvPr/>
-        </p:nvCxnSpPr>
-        <p:spPr>
-          <a:xfrm flipV="1">
-            <a:off x="4808539" y="4702990"/>
-            <a:ext cx="789883" cy="889282"/>
+            <a:off x="4142145" y="5598043"/>
+            <a:ext cx="2384358" cy="9174"/>
           </a:xfrm>
           <a:prstGeom prst="line">
             <a:avLst/>
@@ -6579,8 +6236,8 @@
         </p:nvCxnSpPr>
         <p:spPr>
           <a:xfrm flipV="1">
-            <a:off x="2534740" y="3395731"/>
-            <a:ext cx="0" cy="2048025"/>
+            <a:off x="2534740" y="3738299"/>
+            <a:ext cx="0" cy="1705457"/>
           </a:xfrm>
           <a:prstGeom prst="line">
             <a:avLst/>
@@ -6588,49 +6245,6 @@
           <a:ln w="76200">
             <a:solidFill>
               <a:schemeClr val="accent6"/>
-            </a:solidFill>
-          </a:ln>
-        </p:spPr>
-        <p:style>
-          <a:lnRef idx="1">
-            <a:schemeClr val="accent1"/>
-          </a:lnRef>
-          <a:fillRef idx="0">
-            <a:schemeClr val="accent1"/>
-          </a:fillRef>
-          <a:effectRef idx="0">
-            <a:schemeClr val="accent1"/>
-          </a:effectRef>
-          <a:fontRef idx="minor">
-            <a:schemeClr val="tx1"/>
-          </a:fontRef>
-        </p:style>
-      </p:cxnSp>
-      <p:cxnSp>
-        <p:nvCxnSpPr>
-          <p:cNvPr id="15" name="Straight Connector 14">
-            <a:extLst>
-              <a:ext uri="{FF2B5EF4-FFF2-40B4-BE49-F238E27FC236}">
-                <a16:creationId xmlns:a16="http://schemas.microsoft.com/office/drawing/2014/main" id="{962C2E2E-C572-2E24-365E-59F364F0C3F9}"/>
-              </a:ext>
-            </a:extLst>
-          </p:cNvPr>
-          <p:cNvCxnSpPr>
-            <a:cxnSpLocks/>
-          </p:cNvCxnSpPr>
-          <p:nvPr/>
-        </p:nvCxnSpPr>
-        <p:spPr>
-          <a:xfrm flipH="1" flipV="1">
-            <a:off x="5598422" y="4702990"/>
-            <a:ext cx="1187532" cy="713447"/>
-          </a:xfrm>
-          <a:prstGeom prst="line">
-            <a:avLst/>
-          </a:prstGeom>
-          <a:ln w="76200">
-            <a:solidFill>
-              <a:srgbClr val="FF0000"/>
             </a:solidFill>
           </a:ln>
         </p:spPr>
@@ -6664,9 +6278,9 @@
           <p:nvPr/>
         </p:nvCxnSpPr>
         <p:spPr>
-          <a:xfrm flipH="1" flipV="1">
-            <a:off x="2534740" y="3395731"/>
-            <a:ext cx="1833559" cy="789027"/>
+          <a:xfrm flipH="1">
+            <a:off x="2597871" y="3451367"/>
+            <a:ext cx="1503560" cy="286932"/>
           </a:xfrm>
           <a:prstGeom prst="line">
             <a:avLst/>
@@ -6706,7 +6320,7 @@
         </p:nvSpPr>
         <p:spPr>
           <a:xfrm>
-            <a:off x="2058502" y="4139713"/>
+            <a:off x="2115350" y="5014394"/>
             <a:ext cx="356260" cy="356260"/>
           </a:xfrm>
           <a:prstGeom prst="ellipse">
@@ -6755,7 +6369,7 @@
         </p:nvSpPr>
         <p:spPr>
           <a:xfrm>
-            <a:off x="3353101" y="5132731"/>
+            <a:off x="6104880" y="5204339"/>
             <a:ext cx="356260" cy="356260"/>
           </a:xfrm>
           <a:prstGeom prst="ellipse">
@@ -6804,7 +6418,7 @@
         </p:nvSpPr>
         <p:spPr>
           <a:xfrm>
-            <a:off x="6181945" y="3229719"/>
+            <a:off x="6665917" y="4597543"/>
             <a:ext cx="356260" cy="356260"/>
           </a:xfrm>
           <a:prstGeom prst="ellipse">
@@ -6839,6 +6453,178 @@
           </a:p>
         </p:txBody>
       </p:sp>
+      <p:cxnSp>
+        <p:nvCxnSpPr>
+          <p:cNvPr id="22" name="Straight Connector 21">
+            <a:extLst>
+              <a:ext uri="{FF2B5EF4-FFF2-40B4-BE49-F238E27FC236}">
+                <a16:creationId xmlns:a16="http://schemas.microsoft.com/office/drawing/2014/main" id="{D12B2E2C-75DA-9975-05AB-93BFAD880B9B}"/>
+              </a:ext>
+            </a:extLst>
+          </p:cNvPr>
+          <p:cNvCxnSpPr>
+            <a:cxnSpLocks/>
+          </p:cNvCxnSpPr>
+          <p:nvPr/>
+        </p:nvCxnSpPr>
+        <p:spPr>
+          <a:xfrm>
+            <a:off x="4142145" y="3460705"/>
+            <a:ext cx="722362" cy="1113073"/>
+          </a:xfrm>
+          <a:prstGeom prst="line">
+            <a:avLst/>
+          </a:prstGeom>
+          <a:ln w="76200">
+            <a:solidFill>
+              <a:schemeClr val="accent6"/>
+            </a:solidFill>
+          </a:ln>
+        </p:spPr>
+        <p:style>
+          <a:lnRef idx="1">
+            <a:schemeClr val="accent1"/>
+          </a:lnRef>
+          <a:fillRef idx="0">
+            <a:schemeClr val="accent1"/>
+          </a:fillRef>
+          <a:effectRef idx="0">
+            <a:schemeClr val="accent1"/>
+          </a:effectRef>
+          <a:fontRef idx="minor">
+            <a:schemeClr val="tx1"/>
+          </a:fontRef>
+        </p:style>
+      </p:cxnSp>
+      <p:cxnSp>
+        <p:nvCxnSpPr>
+          <p:cNvPr id="33" name="Straight Connector 32">
+            <a:extLst>
+              <a:ext uri="{FF2B5EF4-FFF2-40B4-BE49-F238E27FC236}">
+                <a16:creationId xmlns:a16="http://schemas.microsoft.com/office/drawing/2014/main" id="{FF15E5C3-756E-9F70-B1F5-04A607C8E1CD}"/>
+              </a:ext>
+            </a:extLst>
+          </p:cNvPr>
+          <p:cNvCxnSpPr>
+            <a:cxnSpLocks/>
+          </p:cNvCxnSpPr>
+          <p:nvPr/>
+        </p:nvCxnSpPr>
+        <p:spPr>
+          <a:xfrm>
+            <a:off x="3688889" y="4770844"/>
+            <a:ext cx="453256" cy="822833"/>
+          </a:xfrm>
+          <a:prstGeom prst="line">
+            <a:avLst/>
+          </a:prstGeom>
+          <a:ln w="76200">
+            <a:solidFill>
+              <a:srgbClr val="FF0000"/>
+            </a:solidFill>
+          </a:ln>
+        </p:spPr>
+        <p:style>
+          <a:lnRef idx="1">
+            <a:schemeClr val="accent1"/>
+          </a:lnRef>
+          <a:fillRef idx="0">
+            <a:schemeClr val="accent1"/>
+          </a:fillRef>
+          <a:effectRef idx="0">
+            <a:schemeClr val="accent1"/>
+          </a:effectRef>
+          <a:fontRef idx="minor">
+            <a:schemeClr val="tx1"/>
+          </a:fontRef>
+        </p:style>
+      </p:cxnSp>
+      <p:cxnSp>
+        <p:nvCxnSpPr>
+          <p:cNvPr id="36" name="Straight Connector 35">
+            <a:extLst>
+              <a:ext uri="{FF2B5EF4-FFF2-40B4-BE49-F238E27FC236}">
+                <a16:creationId xmlns:a16="http://schemas.microsoft.com/office/drawing/2014/main" id="{BC688416-F4D6-7679-26FA-373661AF5166}"/>
+              </a:ext>
+            </a:extLst>
+          </p:cNvPr>
+          <p:cNvCxnSpPr>
+            <a:cxnSpLocks/>
+          </p:cNvCxnSpPr>
+          <p:nvPr/>
+        </p:nvCxnSpPr>
+        <p:spPr>
+          <a:xfrm>
+            <a:off x="4864507" y="4597543"/>
+            <a:ext cx="2115252" cy="700883"/>
+          </a:xfrm>
+          <a:prstGeom prst="line">
+            <a:avLst/>
+          </a:prstGeom>
+          <a:ln w="76200">
+            <a:solidFill>
+              <a:schemeClr val="accent6"/>
+            </a:solidFill>
+          </a:ln>
+        </p:spPr>
+        <p:style>
+          <a:lnRef idx="1">
+            <a:schemeClr val="accent1"/>
+          </a:lnRef>
+          <a:fillRef idx="0">
+            <a:schemeClr val="accent1"/>
+          </a:fillRef>
+          <a:effectRef idx="0">
+            <a:schemeClr val="accent1"/>
+          </a:effectRef>
+          <a:fontRef idx="minor">
+            <a:schemeClr val="tx1"/>
+          </a:fontRef>
+        </p:style>
+      </p:cxnSp>
+      <p:cxnSp>
+        <p:nvCxnSpPr>
+          <p:cNvPr id="44" name="Straight Connector 43">
+            <a:extLst>
+              <a:ext uri="{FF2B5EF4-FFF2-40B4-BE49-F238E27FC236}">
+                <a16:creationId xmlns:a16="http://schemas.microsoft.com/office/drawing/2014/main" id="{CC1FC83B-C414-D627-32FE-6635335A904B}"/>
+              </a:ext>
+            </a:extLst>
+          </p:cNvPr>
+          <p:cNvCxnSpPr>
+            <a:cxnSpLocks/>
+          </p:cNvCxnSpPr>
+          <p:nvPr/>
+        </p:nvCxnSpPr>
+        <p:spPr>
+          <a:xfrm flipH="1" flipV="1">
+            <a:off x="5758472" y="3544969"/>
+            <a:ext cx="1028421" cy="316077"/>
+          </a:xfrm>
+          <a:prstGeom prst="line">
+            <a:avLst/>
+          </a:prstGeom>
+          <a:ln w="76200">
+            <a:solidFill>
+              <a:srgbClr val="FFC000"/>
+            </a:solidFill>
+          </a:ln>
+        </p:spPr>
+        <p:style>
+          <a:lnRef idx="1">
+            <a:schemeClr val="accent1"/>
+          </a:lnRef>
+          <a:fillRef idx="0">
+            <a:schemeClr val="accent1"/>
+          </a:fillRef>
+          <a:effectRef idx="0">
+            <a:schemeClr val="accent1"/>
+          </a:effectRef>
+          <a:fontRef idx="minor">
+            <a:schemeClr val="tx1"/>
+          </a:fontRef>
+        </p:style>
+      </p:cxnSp>
     </p:spTree>
     <p:extLst>
       <p:ext uri="{BB962C8B-B14F-4D97-AF65-F5344CB8AC3E}">
@@ -6908,7 +6694,7 @@
           <a:p>
             <a:r>
               <a:rPr lang="en-US"/>
-              <a:t>© 2022 FLL Tutorials </a:t>
+              <a:t>© 2023 FLLTutorials.com. Last Edit 5/29/2023</a:t>
             </a:r>
             <a:endParaRPr lang="en-US" dirty="0"/>
           </a:p>
@@ -7162,7 +6948,7 @@
           <a:p>
             <a:r>
               <a:rPr lang="en-US"/>
-              <a:t>© 2022 FLL Tutorials </a:t>
+              <a:t>© 2023 FLLTutorials.com. Last Edit 5/29/2023</a:t>
             </a:r>
             <a:endParaRPr lang="en-US" dirty="0"/>
           </a:p>
@@ -7311,7 +7097,7 @@
           <a:p>
             <a:r>
               <a:rPr lang="en-US"/>
-              <a:t>© 2022 FLL Tutorials </a:t>
+              <a:t>© 2023 FLLTutorials.com. Last Edit 5/29/2023</a:t>
             </a:r>
             <a:endParaRPr lang="en-US" dirty="0"/>
           </a:p>

--- a/translations/en-us/RobotGame/MissionStrategy.pptx
+++ b/translations/en-us/RobotGame/MissionStrategy.pptx
@@ -5668,10 +5668,10 @@
       </p:sp>
       <p:pic>
         <p:nvPicPr>
-          <p:cNvPr id="7" name="Picture 6" descr="A picture containing screenshot, games, LEGO, game&#10;&#10;Description automatically generated">
+          <p:cNvPr id="8" name="Picture 7" descr="A picture containing drawing, graphics, child art, cartoon&#10;&#10;Description automatically generated">
             <a:extLst>
               <a:ext uri="{FF2B5EF4-FFF2-40B4-BE49-F238E27FC236}">
-                <a16:creationId xmlns:a16="http://schemas.microsoft.com/office/drawing/2014/main" id="{91B7D613-D225-9328-7D0A-A129ED38021C}"/>
+                <a16:creationId xmlns:a16="http://schemas.microsoft.com/office/drawing/2014/main" id="{50629500-5119-5EDF-538E-54F72D0964D4}"/>
               </a:ext>
             </a:extLst>
           </p:cNvPr>
@@ -5688,8 +5688,8 @@
         </p:blipFill>
         <p:spPr>
           <a:xfrm>
-            <a:off x="4233798" y="1744333"/>
-            <a:ext cx="3998944" cy="2432691"/>
+            <a:off x="4233798" y="2247588"/>
+            <a:ext cx="4389120" cy="2288857"/>
           </a:xfrm>
           <a:prstGeom prst="rect">
             <a:avLst/>
